--- a/hcml-seminar-kickoff-meeting-2023.pptx
+++ b/hcml-seminar-kickoff-meeting-2023.pptx
@@ -1507,7 +1507,7 @@
               <a:pPr>
                 <a:defRPr/>
               </a:pPr>
-              <a:t>10/18/23</a:t>
+              <a:t>10/19/23</a:t>
             </a:fld>
             <a:endParaRPr lang="fi-FI"/>
           </a:p>
@@ -1704,7 +1704,7 @@
               <a:pPr>
                 <a:defRPr/>
               </a:pPr>
-              <a:t>10/18/23</a:t>
+              <a:t>10/19/23</a:t>
             </a:fld>
             <a:endParaRPr lang="fi-FI"/>
           </a:p>
@@ -1911,7 +1911,7 @@
               <a:pPr>
                 <a:defRPr/>
               </a:pPr>
-              <a:t>10/18/23</a:t>
+              <a:t>10/19/23</a:t>
             </a:fld>
             <a:endParaRPr lang="fi-FI"/>
           </a:p>
@@ -2108,7 +2108,7 @@
               <a:pPr>
                 <a:defRPr/>
               </a:pPr>
-              <a:t>10/18/23</a:t>
+              <a:t>10/19/23</a:t>
             </a:fld>
             <a:endParaRPr lang="fi-FI"/>
           </a:p>
@@ -2328,7 +2328,7 @@
               <a:pPr>
                 <a:defRPr/>
               </a:pPr>
-              <a:t>10/18/23</a:t>
+              <a:t>10/19/23</a:t>
             </a:fld>
             <a:endParaRPr lang="fi-FI"/>
           </a:p>
@@ -2642,7 +2642,7 @@
               <a:pPr>
                 <a:defRPr/>
               </a:pPr>
-              <a:t>10/18/23</a:t>
+              <a:t>10/19/23</a:t>
             </a:fld>
             <a:endParaRPr lang="fi-FI"/>
           </a:p>
@@ -3095,7 +3095,7 @@
               <a:pPr>
                 <a:defRPr/>
               </a:pPr>
-              <a:t>10/18/23</a:t>
+              <a:t>10/19/23</a:t>
             </a:fld>
             <a:endParaRPr lang="fi-FI"/>
           </a:p>
@@ -3241,7 +3241,7 @@
               <a:pPr>
                 <a:defRPr/>
               </a:pPr>
-              <a:t>10/18/23</a:t>
+              <a:t>10/19/23</a:t>
             </a:fld>
             <a:endParaRPr lang="fi-FI"/>
           </a:p>
@@ -3365,7 +3365,7 @@
               <a:pPr>
                 <a:defRPr/>
               </a:pPr>
-              <a:t>10/18/23</a:t>
+              <a:t>10/19/23</a:t>
             </a:fld>
             <a:endParaRPr lang="fi-FI"/>
           </a:p>
@@ -3669,7 +3669,7 @@
               <a:pPr>
                 <a:defRPr/>
               </a:pPr>
-              <a:t>10/18/23</a:t>
+              <a:t>10/19/23</a:t>
             </a:fld>
             <a:endParaRPr lang="fi-FI"/>
           </a:p>
@@ -3951,7 +3951,7 @@
               <a:pPr>
                 <a:defRPr/>
               </a:pPr>
-              <a:t>10/18/23</a:t>
+              <a:t>10/19/23</a:t>
             </a:fld>
             <a:endParaRPr lang="fi-FI"/>
           </a:p>
@@ -4245,7 +4245,7 @@
               <a:pPr>
                 <a:defRPr/>
               </a:pPr>
-              <a:t>10/18/23</a:t>
+              <a:t>10/19/23</a:t>
             </a:fld>
             <a:endParaRPr lang="fi-FI"/>
           </a:p>
@@ -7140,7 +7140,7 @@
                 </a:solidFill>
                 <a:latin typeface="Calibri"/>
               </a:rPr>
-              <a:t>Bias</a:t>
+              <a:t>Bias &amp;</a:t>
             </a:r>
             <a:br>
               <a:rPr lang="en-US" sz="2200" dirty="0">
@@ -12168,7 +12168,7 @@
         </p:nvSpPr>
         <p:spPr bwMode="auto">
           <a:xfrm>
-            <a:off x="2976241" y="1652407"/>
+            <a:off x="2915816" y="1652407"/>
             <a:ext cx="1106454" cy="498598"/>
           </a:xfrm>
           <a:prstGeom prst="rect">
@@ -12720,7 +12720,7 @@
         </p:nvSpPr>
         <p:spPr bwMode="auto">
           <a:xfrm>
-            <a:off x="4217568" y="1667617"/>
+            <a:off x="4139952" y="1667617"/>
             <a:ext cx="2200266" cy="498598"/>
           </a:xfrm>
           <a:prstGeom prst="rect">
@@ -12900,7 +12900,7 @@
                 </a:solidFill>
                 <a:latin typeface="Calibri"/>
               </a:rPr>
-              <a:t>Paper assignment </a:t>
+              <a:t>Paper assignment &amp;</a:t>
             </a:r>
             <a:br>
               <a:rPr lang="en-US" sz="1800" b="0" dirty="0">
@@ -13202,7 +13202,7 @@
                 </a:solidFill>
                 <a:latin typeface="Calibri"/>
               </a:rPr>
-              <a:t>Test presentations</a:t>
+              <a:t>Practice presentations</a:t>
             </a:r>
             <a:endParaRPr lang="en-US" sz="1800" b="0" baseline="30000" dirty="0">
               <a:solidFill>
@@ -13373,7 +13373,7 @@
         </p:nvCxnSpPr>
         <p:spPr bwMode="auto">
           <a:xfrm>
-            <a:off x="3487424" y="2129494"/>
+            <a:off x="3419872" y="2129494"/>
             <a:ext cx="543598" cy="0"/>
           </a:xfrm>
           <a:prstGeom prst="line">
